--- a/Curso Java Web.pptx
+++ b/Curso Java Web.pptx
@@ -10572,7 +10572,7 @@
                   <a:srgbClr val="C00000"/>
                 </a:solidFill>
               </a:rPr>
-              <a:t>Analista y  desarrollador en Aytos BL</a:t>
+              <a:t>Jefe de equipo, Analista y  desarrollador en Aytos BL</a:t>
             </a:r>
           </a:p>
           <a:p>
@@ -10745,7 +10745,7 @@
             </a:pPr>
             <a:r>
               <a:rPr lang="es-ES" sz="1400" dirty="0"/>
-              <a:t>	1.2. Código limpio.</a:t>
+              <a:t>	1.2. Código limpio (https://samuelcasanova.com/2016/09/resumen-clean-code/).</a:t>
             </a:r>
           </a:p>
           <a:p>
@@ -10762,8 +10762,25 @@
             </a:r>
             <a:r>
               <a:rPr lang="es-ES" sz="1400" dirty="0"/>
-              <a:t> unitarios.</a:t>
-            </a:r>
+              <a:t> unitarios, </a:t>
+            </a:r>
+            <a:r>
+              <a:rPr lang="es-ES" sz="1400" dirty="0" err="1"/>
+              <a:t>tests</a:t>
+            </a:r>
+            <a:r>
+              <a:rPr lang="es-ES" sz="1400" dirty="0"/>
+              <a:t> de integración y </a:t>
+            </a:r>
+            <a:r>
+              <a:rPr lang="es-ES" sz="1400" dirty="0" err="1"/>
+              <a:t>tests</a:t>
+            </a:r>
+            <a:r>
+              <a:rPr lang="es-ES" sz="1400"/>
+              <a:t> funcionales.</a:t>
+            </a:r>
+            <a:endParaRPr lang="es-ES" sz="1400" dirty="0"/>
           </a:p>
           <a:p>
             <a:pPr marL="77787" lvl="1" indent="0">
@@ -10771,7 +10788,7 @@
             </a:pPr>
             <a:r>
               <a:rPr lang="es-ES" sz="1400" dirty="0"/>
-              <a:t>	1.3. Principios SOLID.</a:t>
+              <a:t>	1.3. Principios SOLID (https://apiumhub.com/es/tech-blog-barcelona/principios-solid/).</a:t>
             </a:r>
           </a:p>
           <a:p>
@@ -10780,13 +10797,8 @@
             </a:pPr>
             <a:r>
               <a:rPr lang="es-ES" sz="1400" dirty="0"/>
-              <a:t>	1.4. Manejo </a:t>
-            </a:r>
-            <a:r>
-              <a:rPr lang="es-ES" sz="1400"/>
-              <a:t>de excepciones.</a:t>
-            </a:r>
-            <a:endParaRPr lang="es-ES" sz="1400" dirty="0"/>
+              <a:t>	1.4. Manejo de excepciones (http://programacion.jias.es/2012/01/excepciones-en-java-buenas-practicas-creacion-de-excepciones-personalizadas/).</a:t>
+            </a:r>
           </a:p>
           <a:p>
             <a:pPr>
